--- a/Plakát.pptx
+++ b/Plakát.pptx
@@ -104,6 +104,11 @@
       </a:defRPr>
     </a:lvl9pPr>
   </p:defaultTextStyle>
+  <p:extLst>
+    <p:ext uri="{EFAFB233-063F-42B5-8137-9DF3F51BA10A}">
+      <p15:sldGuideLst xmlns:p15="http://schemas.microsoft.com/office/powerpoint/2012/main"/>
+    </p:ext>
+  </p:extLst>
 </p:presentation>
 </file>
 
@@ -238,7 +243,7 @@
           <a:p>
             <a:fld id="{4AAD347D-5ACD-4C99-B74B-A9C85AD731AF}" type="datetimeFigureOut">
               <a:rPr lang="en-US" smtClean="0"/>
-              <a:t>3/21/2022</a:t>
+              <a:t>4/4/2022</a:t>
             </a:fld>
             <a:endParaRPr lang="en-US" dirty="0"/>
           </a:p>
@@ -408,7 +413,7 @@
           <a:p>
             <a:fld id="{4509A250-FF31-4206-8172-F9D3106AACB1}" type="datetimeFigureOut">
               <a:rPr lang="en-US" smtClean="0"/>
-              <a:t>3/21/2022</a:t>
+              <a:t>4/4/2022</a:t>
             </a:fld>
             <a:endParaRPr lang="en-US" dirty="0"/>
           </a:p>
@@ -588,7 +593,7 @@
           <a:p>
             <a:fld id="{4509A250-FF31-4206-8172-F9D3106AACB1}" type="datetimeFigureOut">
               <a:rPr lang="en-US" smtClean="0"/>
-              <a:t>3/21/2022</a:t>
+              <a:t>4/4/2022</a:t>
             </a:fld>
             <a:endParaRPr lang="en-US" dirty="0"/>
           </a:p>
@@ -758,7 +763,7 @@
           <a:p>
             <a:fld id="{4509A250-FF31-4206-8172-F9D3106AACB1}" type="datetimeFigureOut">
               <a:rPr lang="en-US" smtClean="0"/>
-              <a:t>3/21/2022</a:t>
+              <a:t>4/4/2022</a:t>
             </a:fld>
             <a:endParaRPr lang="en-US" dirty="0"/>
           </a:p>
@@ -1004,7 +1009,7 @@
           <a:p>
             <a:fld id="{9796027F-7875-4030-9381-8BD8C4F21935}" type="datetimeFigureOut">
               <a:rPr lang="en-US" smtClean="0"/>
-              <a:t>3/21/2022</a:t>
+              <a:t>4/4/2022</a:t>
             </a:fld>
             <a:endParaRPr lang="en-US" dirty="0"/>
           </a:p>
@@ -1236,7 +1241,7 @@
           <a:p>
             <a:fld id="{9796027F-7875-4030-9381-8BD8C4F21935}" type="datetimeFigureOut">
               <a:rPr lang="en-US" smtClean="0"/>
-              <a:t>3/21/2022</a:t>
+              <a:t>4/4/2022</a:t>
             </a:fld>
             <a:endParaRPr lang="en-US" dirty="0"/>
           </a:p>
@@ -1603,7 +1608,7 @@
           <a:p>
             <a:fld id="{9796027F-7875-4030-9381-8BD8C4F21935}" type="datetimeFigureOut">
               <a:rPr lang="en-US" smtClean="0"/>
-              <a:t>3/21/2022</a:t>
+              <a:t>4/4/2022</a:t>
             </a:fld>
             <a:endParaRPr lang="en-US" dirty="0"/>
           </a:p>
@@ -1721,7 +1726,7 @@
           <a:p>
             <a:fld id="{4509A250-FF31-4206-8172-F9D3106AACB1}" type="datetimeFigureOut">
               <a:rPr lang="en-US" smtClean="0"/>
-              <a:t>3/21/2022</a:t>
+              <a:t>4/4/2022</a:t>
             </a:fld>
             <a:endParaRPr lang="en-US" dirty="0"/>
           </a:p>
@@ -1816,7 +1821,7 @@
           <a:p>
             <a:fld id="{4509A250-FF31-4206-8172-F9D3106AACB1}" type="datetimeFigureOut">
               <a:rPr lang="en-US" smtClean="0"/>
-              <a:t>3/21/2022</a:t>
+              <a:t>4/4/2022</a:t>
             </a:fld>
             <a:endParaRPr lang="en-US" dirty="0"/>
           </a:p>
@@ -2093,7 +2098,7 @@
           <a:p>
             <a:fld id="{4509A250-FF31-4206-8172-F9D3106AACB1}" type="datetimeFigureOut">
               <a:rPr lang="en-US" smtClean="0"/>
-              <a:t>3/21/2022</a:t>
+              <a:t>4/4/2022</a:t>
             </a:fld>
             <a:endParaRPr lang="en-US" dirty="0"/>
           </a:p>
@@ -2346,7 +2351,7 @@
           <a:p>
             <a:fld id="{4509A250-FF31-4206-8172-F9D3106AACB1}" type="datetimeFigureOut">
               <a:rPr lang="en-US" smtClean="0"/>
-              <a:t>3/21/2022</a:t>
+              <a:t>4/4/2022</a:t>
             </a:fld>
             <a:endParaRPr lang="en-US" dirty="0"/>
           </a:p>
@@ -2559,7 +2564,7 @@
           <a:p>
             <a:fld id="{4AAD347D-5ACD-4C99-B74B-A9C85AD731AF}" type="datetimeFigureOut">
               <a:rPr lang="en-US" smtClean="0"/>
-              <a:t>3/21/2022</a:t>
+              <a:t>4/4/2022</a:t>
             </a:fld>
             <a:endParaRPr lang="en-US" dirty="0"/>
           </a:p>
@@ -3901,7 +3906,7 @@
       </p:grpSp>
       <p:pic>
         <p:nvPicPr>
-          <p:cNvPr id="61" name="Kép 60"/>
+          <p:cNvPr id="69" name="Kép 68"/>
           <p:cNvPicPr>
             <a:picLocks noChangeAspect="1"/>
           </p:cNvPicPr>
@@ -3921,8 +3926,8 @@
         </p:blipFill>
         <p:spPr>
           <a:xfrm>
-            <a:off x="3711319" y="1064412"/>
-            <a:ext cx="1548000" cy="1969572"/>
+            <a:off x="447391" y="1050671"/>
+            <a:ext cx="1556196" cy="1980000"/>
           </a:xfrm>
           <a:prstGeom prst="rect">
             <a:avLst/>
@@ -3931,7 +3936,7 @@
       </p:pic>
       <p:pic>
         <p:nvPicPr>
-          <p:cNvPr id="62" name="Kép 61"/>
+          <p:cNvPr id="3" name="Kép 2"/>
           <p:cNvPicPr>
             <a:picLocks noChangeAspect="1"/>
           </p:cNvPicPr>
@@ -3951,20 +3956,17 @@
         </p:blipFill>
         <p:spPr>
           <a:xfrm>
-            <a:off x="6936699" y="1070233"/>
-            <a:ext cx="1558800" cy="1983313"/>
+            <a:off x="3580162" y="1050671"/>
+            <a:ext cx="1745744" cy="1745744"/>
           </a:xfrm>
           <a:prstGeom prst="rect">
             <a:avLst/>
           </a:prstGeom>
-          <a:ln>
-            <a:noFill/>
-          </a:ln>
         </p:spPr>
       </p:pic>
       <p:pic>
         <p:nvPicPr>
-          <p:cNvPr id="63" name="Kép 62"/>
+          <p:cNvPr id="4" name="Kép 3"/>
           <p:cNvPicPr>
             <a:picLocks noChangeAspect="1"/>
           </p:cNvPicPr>
@@ -3984,8 +3986,8 @@
         </p:blipFill>
         <p:spPr>
           <a:xfrm>
-            <a:off x="10133011" y="1050671"/>
-            <a:ext cx="1558800" cy="1983313"/>
+            <a:off x="6832310" y="1050671"/>
+            <a:ext cx="1705090" cy="1705090"/>
           </a:xfrm>
           <a:prstGeom prst="rect">
             <a:avLst/>
@@ -3994,7 +3996,7 @@
       </p:pic>
       <p:pic>
         <p:nvPicPr>
-          <p:cNvPr id="64" name="Kép 63"/>
+          <p:cNvPr id="5" name="Kép 4"/>
           <p:cNvPicPr>
             <a:picLocks noChangeAspect="1"/>
           </p:cNvPicPr>
@@ -4014,8 +4016,8 @@
         </p:blipFill>
         <p:spPr>
           <a:xfrm>
-            <a:off x="447391" y="4597215"/>
-            <a:ext cx="1556196" cy="1980000"/>
+            <a:off x="10059277" y="1050671"/>
+            <a:ext cx="1706267" cy="1706267"/>
           </a:xfrm>
           <a:prstGeom prst="rect">
             <a:avLst/>
@@ -4024,7 +4026,7 @@
       </p:pic>
       <p:pic>
         <p:nvPicPr>
-          <p:cNvPr id="66" name="Kép 65"/>
+          <p:cNvPr id="6" name="Kép 5"/>
           <p:cNvPicPr>
             <a:picLocks noChangeAspect="1"/>
           </p:cNvPicPr>
@@ -4044,8 +4046,8 @@
         </p:blipFill>
         <p:spPr>
           <a:xfrm>
-            <a:off x="3677897" y="4597215"/>
-            <a:ext cx="1558800" cy="1983313"/>
+            <a:off x="319552" y="4499308"/>
+            <a:ext cx="1811873" cy="1811873"/>
           </a:xfrm>
           <a:prstGeom prst="rect">
             <a:avLst/>
@@ -4054,7 +4056,7 @@
       </p:pic>
       <p:pic>
         <p:nvPicPr>
-          <p:cNvPr id="67" name="Kép 66"/>
+          <p:cNvPr id="7" name="Kép 6"/>
           <p:cNvPicPr>
             <a:picLocks noChangeAspect="1"/>
           </p:cNvPicPr>
@@ -4074,8 +4076,8 @@
         </p:blipFill>
         <p:spPr>
           <a:xfrm>
-            <a:off x="6936699" y="4597215"/>
-            <a:ext cx="1558800" cy="1983313"/>
+            <a:off x="3550716" y="4499308"/>
+            <a:ext cx="1804636" cy="1804636"/>
           </a:xfrm>
           <a:prstGeom prst="rect">
             <a:avLst/>
@@ -4084,7 +4086,7 @@
       </p:pic>
       <p:pic>
         <p:nvPicPr>
-          <p:cNvPr id="68" name="Kép 67"/>
+          <p:cNvPr id="8" name="Kép 7"/>
           <p:cNvPicPr>
             <a:picLocks noChangeAspect="1"/>
           </p:cNvPicPr>
@@ -4104,8 +4106,8 @@
         </p:blipFill>
         <p:spPr>
           <a:xfrm>
-            <a:off x="10134510" y="4597215"/>
-            <a:ext cx="1558800" cy="1983313"/>
+            <a:off x="6785858" y="4460040"/>
+            <a:ext cx="1745069" cy="1745069"/>
           </a:xfrm>
           <a:prstGeom prst="rect">
             <a:avLst/>
@@ -4114,7 +4116,7 @@
       </p:pic>
       <p:pic>
         <p:nvPicPr>
-          <p:cNvPr id="69" name="Kép 68"/>
+          <p:cNvPr id="9" name="Kép 8"/>
           <p:cNvPicPr>
             <a:picLocks noChangeAspect="1"/>
           </p:cNvPicPr>
@@ -4134,8 +4136,8 @@
         </p:blipFill>
         <p:spPr>
           <a:xfrm>
-            <a:off x="447391" y="1050671"/>
-            <a:ext cx="1556196" cy="1980000"/>
+            <a:off x="10022657" y="4460040"/>
+            <a:ext cx="1779506" cy="1779506"/>
           </a:xfrm>
           <a:prstGeom prst="rect">
             <a:avLst/>
